--- a/方案.pptx
+++ b/方案.pptx
@@ -5,9 +5,11 @@
     <p:sldMasterId id="2147483648" r:id="rId1"/>
   </p:sldMasterIdLst>
   <p:sldIdLst>
-    <p:sldId id="256" r:id="rId3"/>
-    <p:sldId id="257" r:id="rId4"/>
+    <p:sldId id="257" r:id="rId3"/>
+    <p:sldId id="256" r:id="rId4"/>
     <p:sldId id="258" r:id="rId5"/>
+    <p:sldId id="260" r:id="rId6"/>
+    <p:sldId id="259" r:id="rId7"/>
   </p:sldIdLst>
   <p:sldSz cx="12192000" cy="6858000"/>
   <p:notesSz cx="6858000" cy="9144000"/>
@@ -2924,6 +2926,428 @@
         </p:nvSpPr>
         <p:spPr>
           <a:xfrm>
+            <a:off x="4398645" y="1143635"/>
+            <a:ext cx="3263900" cy="4799965"/>
+          </a:xfrm>
+          <a:prstGeom prst="rect">
+            <a:avLst/>
+          </a:prstGeom>
+          <a:solidFill>
+            <a:schemeClr val="bg2">
+              <a:lumMod val="60000"/>
+              <a:lumOff val="40000"/>
+            </a:schemeClr>
+          </a:solidFill>
+        </p:spPr>
+        <p:style>
+          <a:lnRef idx="2">
+            <a:schemeClr val="accent1">
+              <a:shade val="50000"/>
+            </a:schemeClr>
+          </a:lnRef>
+          <a:fillRef idx="1">
+            <a:schemeClr val="accent1"/>
+          </a:fillRef>
+          <a:effectRef idx="0">
+            <a:schemeClr val="accent1"/>
+          </a:effectRef>
+          <a:fontRef idx="minor">
+            <a:schemeClr val="lt1"/>
+          </a:fontRef>
+        </p:style>
+        <p:txBody>
+          <a:bodyPr rtlCol="0" anchor="ctr"/>
+          <a:p>
+            <a:pPr algn="ctr"/>
+            <a:endParaRPr lang="zh-CN" altLang="en-US"/>
+          </a:p>
+        </p:txBody>
+      </p:sp>
+      <p:sp>
+        <p:nvSpPr>
+          <p:cNvPr id="3" name="矩形 2"/>
+          <p:cNvSpPr/>
+          <p:nvPr/>
+        </p:nvSpPr>
+        <p:spPr>
+          <a:xfrm>
+            <a:off x="4664710" y="1745615"/>
+            <a:ext cx="2621915" cy="593090"/>
+          </a:xfrm>
+          <a:prstGeom prst="rect">
+            <a:avLst/>
+          </a:prstGeom>
+        </p:spPr>
+        <p:style>
+          <a:lnRef idx="2">
+            <a:schemeClr val="accent1">
+              <a:shade val="50000"/>
+            </a:schemeClr>
+          </a:lnRef>
+          <a:fillRef idx="1">
+            <a:schemeClr val="accent1"/>
+          </a:fillRef>
+          <a:effectRef idx="0">
+            <a:schemeClr val="accent1"/>
+          </a:effectRef>
+          <a:fontRef idx="minor">
+            <a:schemeClr val="lt1"/>
+          </a:fontRef>
+        </p:style>
+        <p:txBody>
+          <a:bodyPr rtlCol="0" anchor="ctr"/>
+          <a:p>
+            <a:pPr algn="ctr"/>
+            <a:endParaRPr lang="zh-CN" altLang="en-US"/>
+          </a:p>
+        </p:txBody>
+      </p:sp>
+      <p:sp>
+        <p:nvSpPr>
+          <p:cNvPr id="4" name="矩形 3"/>
+          <p:cNvSpPr/>
+          <p:nvPr/>
+        </p:nvSpPr>
+        <p:spPr>
+          <a:xfrm>
+            <a:off x="4719955" y="2806700"/>
+            <a:ext cx="2621915" cy="593090"/>
+          </a:xfrm>
+          <a:prstGeom prst="rect">
+            <a:avLst/>
+          </a:prstGeom>
+        </p:spPr>
+        <p:style>
+          <a:lnRef idx="2">
+            <a:schemeClr val="accent1">
+              <a:shade val="50000"/>
+            </a:schemeClr>
+          </a:lnRef>
+          <a:fillRef idx="1">
+            <a:schemeClr val="accent1"/>
+          </a:fillRef>
+          <a:effectRef idx="0">
+            <a:schemeClr val="accent1"/>
+          </a:effectRef>
+          <a:fontRef idx="minor">
+            <a:schemeClr val="lt1"/>
+          </a:fontRef>
+        </p:style>
+        <p:txBody>
+          <a:bodyPr rtlCol="0" anchor="ctr"/>
+          <a:p>
+            <a:pPr algn="ctr"/>
+            <a:endParaRPr lang="zh-CN" altLang="en-US"/>
+          </a:p>
+        </p:txBody>
+      </p:sp>
+      <p:sp>
+        <p:nvSpPr>
+          <p:cNvPr id="5" name="矩形 4"/>
+          <p:cNvSpPr/>
+          <p:nvPr/>
+        </p:nvSpPr>
+        <p:spPr>
+          <a:xfrm>
+            <a:off x="4719955" y="3790950"/>
+            <a:ext cx="2621915" cy="593090"/>
+          </a:xfrm>
+          <a:prstGeom prst="rect">
+            <a:avLst/>
+          </a:prstGeom>
+        </p:spPr>
+        <p:style>
+          <a:lnRef idx="2">
+            <a:schemeClr val="accent1">
+              <a:shade val="50000"/>
+            </a:schemeClr>
+          </a:lnRef>
+          <a:fillRef idx="1">
+            <a:schemeClr val="accent1"/>
+          </a:fillRef>
+          <a:effectRef idx="0">
+            <a:schemeClr val="accent1"/>
+          </a:effectRef>
+          <a:fontRef idx="minor">
+            <a:schemeClr val="lt1"/>
+          </a:fontRef>
+        </p:style>
+        <p:txBody>
+          <a:bodyPr rtlCol="0" anchor="ctr"/>
+          <a:p>
+            <a:pPr algn="ctr"/>
+            <a:endParaRPr lang="zh-CN" altLang="en-US"/>
+          </a:p>
+        </p:txBody>
+      </p:sp>
+      <p:sp>
+        <p:nvSpPr>
+          <p:cNvPr id="6" name="矩形 5"/>
+          <p:cNvSpPr/>
+          <p:nvPr/>
+        </p:nvSpPr>
+        <p:spPr>
+          <a:xfrm>
+            <a:off x="4784725" y="4815205"/>
+            <a:ext cx="2621915" cy="593090"/>
+          </a:xfrm>
+          <a:prstGeom prst="rect">
+            <a:avLst/>
+          </a:prstGeom>
+        </p:spPr>
+        <p:style>
+          <a:lnRef idx="2">
+            <a:schemeClr val="accent1">
+              <a:shade val="50000"/>
+            </a:schemeClr>
+          </a:lnRef>
+          <a:fillRef idx="1">
+            <a:schemeClr val="accent1"/>
+          </a:fillRef>
+          <a:effectRef idx="0">
+            <a:schemeClr val="accent1"/>
+          </a:effectRef>
+          <a:fontRef idx="minor">
+            <a:schemeClr val="lt1"/>
+          </a:fontRef>
+        </p:style>
+        <p:txBody>
+          <a:bodyPr rtlCol="0" anchor="ctr"/>
+          <a:p>
+            <a:pPr algn="ctr"/>
+            <a:endParaRPr lang="zh-CN" altLang="en-US"/>
+          </a:p>
+        </p:txBody>
+      </p:sp>
+      <p:sp>
+        <p:nvSpPr>
+          <p:cNvPr id="7" name="文本框 6"/>
+          <p:cNvSpPr txBox="1"/>
+          <p:nvPr/>
+        </p:nvSpPr>
+        <p:spPr>
+          <a:xfrm>
+            <a:off x="1124585" y="1414780"/>
+            <a:ext cx="2369820" cy="368300"/>
+          </a:xfrm>
+          <a:prstGeom prst="rect">
+            <a:avLst/>
+          </a:prstGeom>
+          <a:noFill/>
+        </p:spPr>
+        <p:txBody>
+          <a:bodyPr wrap="square" rtlCol="0">
+            <a:spAutoFit/>
+          </a:bodyPr>
+          <a:p>
+            <a:r>
+              <a:rPr lang="zh-CN" altLang="en-US"/>
+              <a:t>关卡模式</a:t>
+            </a:r>
+            <a:endParaRPr lang="zh-CN" altLang="en-US"/>
+          </a:p>
+        </p:txBody>
+      </p:sp>
+      <p:sp>
+        <p:nvSpPr>
+          <p:cNvPr id="8" name="文本框 7"/>
+          <p:cNvSpPr txBox="1"/>
+          <p:nvPr/>
+        </p:nvSpPr>
+        <p:spPr>
+          <a:xfrm>
+            <a:off x="1124585" y="2207895"/>
+            <a:ext cx="2369820" cy="368300"/>
+          </a:xfrm>
+          <a:prstGeom prst="rect">
+            <a:avLst/>
+          </a:prstGeom>
+          <a:noFill/>
+        </p:spPr>
+        <p:txBody>
+          <a:bodyPr wrap="square" rtlCol="0">
+            <a:spAutoFit/>
+          </a:bodyPr>
+          <a:p>
+            <a:r>
+              <a:rPr lang="zh-CN" altLang="en-US"/>
+              <a:t>无尽模式</a:t>
+            </a:r>
+            <a:endParaRPr lang="zh-CN" altLang="en-US"/>
+          </a:p>
+        </p:txBody>
+      </p:sp>
+      <p:sp>
+        <p:nvSpPr>
+          <p:cNvPr id="9" name="文本框 8"/>
+          <p:cNvSpPr txBox="1"/>
+          <p:nvPr/>
+        </p:nvSpPr>
+        <p:spPr>
+          <a:xfrm>
+            <a:off x="1124585" y="2876550"/>
+            <a:ext cx="2369820" cy="368300"/>
+          </a:xfrm>
+          <a:prstGeom prst="rect">
+            <a:avLst/>
+          </a:prstGeom>
+          <a:noFill/>
+        </p:spPr>
+        <p:txBody>
+          <a:bodyPr wrap="square" rtlCol="0">
+            <a:spAutoFit/>
+          </a:bodyPr>
+          <a:p>
+            <a:r>
+              <a:rPr lang="zh-CN" altLang="en-US"/>
+              <a:t>排行榜</a:t>
+            </a:r>
+            <a:endParaRPr lang="zh-CN" altLang="en-US"/>
+          </a:p>
+        </p:txBody>
+      </p:sp>
+      <p:sp>
+        <p:nvSpPr>
+          <p:cNvPr id="10" name="文本框 9"/>
+          <p:cNvSpPr txBox="1"/>
+          <p:nvPr/>
+        </p:nvSpPr>
+        <p:spPr>
+          <a:xfrm>
+            <a:off x="1124585" y="3576320"/>
+            <a:ext cx="2369820" cy="368300"/>
+          </a:xfrm>
+          <a:prstGeom prst="rect">
+            <a:avLst/>
+          </a:prstGeom>
+          <a:noFill/>
+        </p:spPr>
+        <p:txBody>
+          <a:bodyPr wrap="square" rtlCol="0">
+            <a:spAutoFit/>
+          </a:bodyPr>
+          <a:p>
+            <a:r>
+              <a:rPr lang="zh-CN" altLang="en-US"/>
+              <a:t>成就</a:t>
+            </a:r>
+            <a:endParaRPr lang="zh-CN" altLang="en-US"/>
+          </a:p>
+        </p:txBody>
+      </p:sp>
+      <p:sp>
+        <p:nvSpPr>
+          <p:cNvPr id="11" name="文本框 10"/>
+          <p:cNvSpPr txBox="1"/>
+          <p:nvPr/>
+        </p:nvSpPr>
+        <p:spPr>
+          <a:xfrm>
+            <a:off x="9550400" y="2328545"/>
+            <a:ext cx="1556385" cy="368300"/>
+          </a:xfrm>
+          <a:prstGeom prst="rect">
+            <a:avLst/>
+          </a:prstGeom>
+          <a:noFill/>
+        </p:spPr>
+        <p:txBody>
+          <a:bodyPr wrap="square" rtlCol="0">
+            <a:spAutoFit/>
+          </a:bodyPr>
+          <a:p>
+            <a:r>
+              <a:rPr lang="zh-CN" altLang="en-US"/>
+              <a:t>主界面</a:t>
+            </a:r>
+            <a:endParaRPr lang="zh-CN" altLang="en-US"/>
+          </a:p>
+        </p:txBody>
+      </p:sp>
+      <p:sp>
+        <p:nvSpPr>
+          <p:cNvPr id="12" name="文本框 11"/>
+          <p:cNvSpPr txBox="1"/>
+          <p:nvPr/>
+        </p:nvSpPr>
+        <p:spPr>
+          <a:xfrm>
+            <a:off x="993775" y="4206240"/>
+            <a:ext cx="2028825" cy="368300"/>
+          </a:xfrm>
+          <a:prstGeom prst="rect">
+            <a:avLst/>
+          </a:prstGeom>
+          <a:noFill/>
+        </p:spPr>
+        <p:txBody>
+          <a:bodyPr wrap="square" rtlCol="0">
+            <a:spAutoFit/>
+          </a:bodyPr>
+          <a:p>
+            <a:r>
+              <a:rPr lang="zh-CN" altLang="en-US"/>
+              <a:t>模型鉴赏</a:t>
+            </a:r>
+            <a:endParaRPr lang="zh-CN" altLang="en-US"/>
+          </a:p>
+        </p:txBody>
+      </p:sp>
+      <p:sp>
+        <p:nvSpPr>
+          <p:cNvPr id="13" name="文本框 12"/>
+          <p:cNvSpPr txBox="1"/>
+          <p:nvPr/>
+        </p:nvSpPr>
+        <p:spPr>
+          <a:xfrm>
+            <a:off x="1084580" y="5009515"/>
+            <a:ext cx="1807210" cy="368300"/>
+          </a:xfrm>
+          <a:prstGeom prst="rect">
+            <a:avLst/>
+          </a:prstGeom>
+          <a:noFill/>
+        </p:spPr>
+        <p:txBody>
+          <a:bodyPr wrap="square" rtlCol="0">
+            <a:spAutoFit/>
+          </a:bodyPr>
+          <a:p>
+            <a:r>
+              <a:rPr lang="zh-CN" altLang="en-US"/>
+              <a:t>相关知识阅读</a:t>
+            </a:r>
+            <a:endParaRPr lang="zh-CN" altLang="en-US"/>
+          </a:p>
+        </p:txBody>
+      </p:sp>
+    </p:spTree>
+  </p:cSld>
+  <p:clrMapOvr>
+    <a:masterClrMapping/>
+  </p:clrMapOvr>
+</p:sld>
+</file>
+
+<file path=ppt/slides/slide2.xml><?xml version="1.0" encoding="utf-8"?>
+<p:sld xmlns:a="http://schemas.openxmlformats.org/drawingml/2006/main" xmlns:r="http://schemas.openxmlformats.org/officeDocument/2006/relationships" xmlns:p="http://schemas.openxmlformats.org/presentationml/2006/main">
+  <p:cSld>
+    <p:spTree>
+      <p:nvGrpSpPr>
+        <p:cNvPr id="1" name=""/>
+        <p:cNvGrpSpPr/>
+        <p:nvPr/>
+      </p:nvGrpSpPr>
+      <p:grpSpPr/>
+      <p:sp>
+        <p:nvSpPr>
+          <p:cNvPr id="2" name="矩形 1"/>
+          <p:cNvSpPr/>
+          <p:nvPr/>
+        </p:nvSpPr>
+        <p:spPr>
+          <a:xfrm>
             <a:off x="4038600" y="990600"/>
             <a:ext cx="3124200" cy="4800600"/>
           </a:xfrm>
@@ -3469,434 +3893,171 @@
           </a:p>
         </p:txBody>
       </p:sp>
+      <p:sp>
+        <p:nvSpPr>
+          <p:cNvPr id="14" name="文本框 13"/>
+          <p:cNvSpPr txBox="1"/>
+          <p:nvPr/>
+        </p:nvSpPr>
+        <p:spPr>
+          <a:xfrm>
+            <a:off x="933450" y="5422900"/>
+            <a:ext cx="8807450" cy="368300"/>
+          </a:xfrm>
+          <a:prstGeom prst="rect">
+            <a:avLst/>
+          </a:prstGeom>
+          <a:noFill/>
+        </p:spPr>
+        <p:txBody>
+          <a:bodyPr wrap="square" rtlCol="0">
+            <a:spAutoFit/>
+          </a:bodyPr>
+          <a:p>
+            <a:r>
+              <a:rPr lang="zh-CN" altLang="en-US"/>
+              <a:t>关卡模式最大</a:t>
+            </a:r>
+            <a:r>
+              <a:rPr lang="en-US" altLang="zh-CN"/>
+              <a:t>2</a:t>
+            </a:r>
+            <a:r>
+              <a:rPr lang="en-US" altLang="zh-CN"/>
+              <a:t>0*20</a:t>
+            </a:r>
+            <a:r>
+              <a:rPr lang="zh-CN" altLang="en-US"/>
+              <a:t>，</a:t>
+            </a:r>
+            <a:endParaRPr lang="zh-CN" altLang="en-US"/>
+          </a:p>
+        </p:txBody>
+      </p:sp>
+      <p:sp>
+        <p:nvSpPr>
+          <p:cNvPr id="18" name="矩形 17"/>
+          <p:cNvSpPr/>
+          <p:nvPr/>
+        </p:nvSpPr>
+        <p:spPr>
+          <a:xfrm>
+            <a:off x="4743450" y="1435735"/>
+            <a:ext cx="457200" cy="304800"/>
+          </a:xfrm>
+          <a:prstGeom prst="rect">
+            <a:avLst/>
+          </a:prstGeom>
+          <a:solidFill>
+            <a:srgbClr val="00D097"/>
+          </a:solidFill>
+          <a:ln w="12700" cap="flat" cmpd="sng" algn="ctr">
+            <a:solidFill>
+              <a:schemeClr val="tx1"/>
+            </a:solidFill>
+            <a:prstDash val="solid"/>
+            <a:round/>
+            <a:headEnd type="none" w="med" len="med"/>
+            <a:tailEnd type="none" w="med" len="med"/>
+          </a:ln>
+        </p:spPr>
+        <p:txBody>
+          <a:bodyPr vert="horz" wrap="square" lIns="91440" tIns="45720" rIns="91440" bIns="45720" numCol="1" anchor="t" anchorCtr="0" compatLnSpc="1"/>
+          <a:p>
+            <a:pPr marL="0" marR="0" indent="0" algn="l" defTabSz="914400" rtl="0" eaLnBrk="1" fontAlgn="base" latinLnBrk="0" hangingPunct="1">
+              <a:lnSpc>
+                <a:spcPct val="100000"/>
+              </a:lnSpc>
+              <a:spcBef>
+                <a:spcPct val="0"/>
+              </a:spcBef>
+              <a:spcAft>
+                <a:spcPct val="0"/>
+              </a:spcAft>
+              <a:buClrTx/>
+              <a:buSzTx/>
+              <a:buFont typeface="Arial" panose="020B0604020202020204" pitchFamily="34" charset="0"/>
+              <a:buNone/>
+            </a:pPr>
+            <a:endParaRPr kumimoji="0" lang="en-US" altLang="en-US" sz="2400" b="0" i="0" u="none" strike="noStrike" cap="none" normalizeH="0" baseline="0" smtClean="0">
+              <a:ln>
+                <a:noFill/>
+              </a:ln>
+              <a:solidFill>
+                <a:srgbClr val="000000"/>
+              </a:solidFill>
+              <a:effectLst/>
+              <a:latin typeface="Times" pitchFamily="2" charset="0"/>
+              <a:sym typeface="Times" pitchFamily="2" charset="0"/>
+            </a:endParaRPr>
+          </a:p>
+        </p:txBody>
+      </p:sp>
+      <p:sp>
+        <p:nvSpPr>
+          <p:cNvPr id="19" name="矩形 18"/>
+          <p:cNvSpPr/>
+          <p:nvPr/>
+        </p:nvSpPr>
+        <p:spPr>
+          <a:xfrm>
+            <a:off x="5636895" y="1353820"/>
+            <a:ext cx="457200" cy="304800"/>
+          </a:xfrm>
+          <a:prstGeom prst="rect">
+            <a:avLst/>
+          </a:prstGeom>
+          <a:solidFill>
+            <a:srgbClr val="00D097"/>
+          </a:solidFill>
+          <a:ln w="12700" cap="flat" cmpd="sng" algn="ctr">
+            <a:solidFill>
+              <a:schemeClr val="tx1"/>
+            </a:solidFill>
+            <a:prstDash val="solid"/>
+            <a:round/>
+            <a:headEnd type="none" w="med" len="med"/>
+            <a:tailEnd type="none" w="med" len="med"/>
+          </a:ln>
+        </p:spPr>
+        <p:txBody>
+          <a:bodyPr vert="horz" wrap="square" lIns="91440" tIns="45720" rIns="91440" bIns="45720" numCol="1" anchor="t" anchorCtr="0" compatLnSpc="1"/>
+          <a:p>
+            <a:pPr marL="0" marR="0" indent="0" algn="l" defTabSz="914400" rtl="0" eaLnBrk="1" fontAlgn="base" latinLnBrk="0" hangingPunct="1">
+              <a:lnSpc>
+                <a:spcPct val="100000"/>
+              </a:lnSpc>
+              <a:spcBef>
+                <a:spcPct val="0"/>
+              </a:spcBef>
+              <a:spcAft>
+                <a:spcPct val="0"/>
+              </a:spcAft>
+              <a:buClrTx/>
+              <a:buSzTx/>
+              <a:buFont typeface="Arial" panose="020B0604020202020204" pitchFamily="34" charset="0"/>
+              <a:buNone/>
+            </a:pPr>
+            <a:endParaRPr kumimoji="0" lang="en-US" altLang="en-US" sz="2400" b="0" i="0" u="none" strike="noStrike" cap="none" normalizeH="0" baseline="0" smtClean="0">
+              <a:ln>
+                <a:noFill/>
+              </a:ln>
+              <a:solidFill>
+                <a:srgbClr val="000000"/>
+              </a:solidFill>
+              <a:effectLst/>
+              <a:latin typeface="Times" pitchFamily="2" charset="0"/>
+              <a:sym typeface="Times" pitchFamily="2" charset="0"/>
+            </a:endParaRPr>
+          </a:p>
+        </p:txBody>
+      </p:sp>
     </p:spTree>
   </p:cSld>
   <p:clrMapOvr>
     <a:masterClrMapping/>
   </p:clrMapOvr>
   <p:transition/>
-</p:sld>
-</file>
-
-<file path=ppt/slides/slide2.xml><?xml version="1.0" encoding="utf-8"?>
-<p:sld xmlns:a="http://schemas.openxmlformats.org/drawingml/2006/main" xmlns:r="http://schemas.openxmlformats.org/officeDocument/2006/relationships" xmlns:p="http://schemas.openxmlformats.org/presentationml/2006/main">
-  <p:cSld>
-    <p:spTree>
-      <p:nvGrpSpPr>
-        <p:cNvPr id="1" name=""/>
-        <p:cNvGrpSpPr/>
-        <p:nvPr/>
-      </p:nvGrpSpPr>
-      <p:grpSpPr/>
-      <p:sp>
-        <p:nvSpPr>
-          <p:cNvPr id="2" name="矩形 1"/>
-          <p:cNvSpPr/>
-          <p:nvPr/>
-        </p:nvSpPr>
-        <p:spPr>
-          <a:xfrm>
-            <a:off x="4398645" y="1143635"/>
-            <a:ext cx="3263900" cy="4799965"/>
-          </a:xfrm>
-          <a:prstGeom prst="rect">
-            <a:avLst/>
-          </a:prstGeom>
-          <a:solidFill>
-            <a:schemeClr val="bg2">
-              <a:lumMod val="60000"/>
-              <a:lumOff val="40000"/>
-            </a:schemeClr>
-          </a:solidFill>
-        </p:spPr>
-        <p:style>
-          <a:lnRef idx="2">
-            <a:schemeClr val="accent1">
-              <a:shade val="50000"/>
-            </a:schemeClr>
-          </a:lnRef>
-          <a:fillRef idx="1">
-            <a:schemeClr val="accent1"/>
-          </a:fillRef>
-          <a:effectRef idx="0">
-            <a:schemeClr val="accent1"/>
-          </a:effectRef>
-          <a:fontRef idx="minor">
-            <a:schemeClr val="lt1"/>
-          </a:fontRef>
-        </p:style>
-        <p:txBody>
-          <a:bodyPr rtlCol="0" anchor="ctr"/>
-          <a:p>
-            <a:pPr algn="ctr"/>
-            <a:endParaRPr lang="zh-CN" altLang="en-US"/>
-          </a:p>
-        </p:txBody>
-      </p:sp>
-      <p:sp>
-        <p:nvSpPr>
-          <p:cNvPr id="3" name="矩形 2"/>
-          <p:cNvSpPr/>
-          <p:nvPr/>
-        </p:nvSpPr>
-        <p:spPr>
-          <a:xfrm>
-            <a:off x="4664710" y="1745615"/>
-            <a:ext cx="2621915" cy="593090"/>
-          </a:xfrm>
-          <a:prstGeom prst="rect">
-            <a:avLst/>
-          </a:prstGeom>
-        </p:spPr>
-        <p:style>
-          <a:lnRef idx="2">
-            <a:schemeClr val="accent1">
-              <a:shade val="50000"/>
-            </a:schemeClr>
-          </a:lnRef>
-          <a:fillRef idx="1">
-            <a:schemeClr val="accent1"/>
-          </a:fillRef>
-          <a:effectRef idx="0">
-            <a:schemeClr val="accent1"/>
-          </a:effectRef>
-          <a:fontRef idx="minor">
-            <a:schemeClr val="lt1"/>
-          </a:fontRef>
-        </p:style>
-        <p:txBody>
-          <a:bodyPr rtlCol="0" anchor="ctr"/>
-          <a:p>
-            <a:pPr algn="ctr"/>
-            <a:endParaRPr lang="zh-CN" altLang="en-US"/>
-          </a:p>
-        </p:txBody>
-      </p:sp>
-      <p:sp>
-        <p:nvSpPr>
-          <p:cNvPr id="4" name="矩形 3"/>
-          <p:cNvSpPr/>
-          <p:nvPr/>
-        </p:nvSpPr>
-        <p:spPr>
-          <a:xfrm>
-            <a:off x="4719955" y="2806700"/>
-            <a:ext cx="2621915" cy="593090"/>
-          </a:xfrm>
-          <a:prstGeom prst="rect">
-            <a:avLst/>
-          </a:prstGeom>
-        </p:spPr>
-        <p:style>
-          <a:lnRef idx="2">
-            <a:schemeClr val="accent1">
-              <a:shade val="50000"/>
-            </a:schemeClr>
-          </a:lnRef>
-          <a:fillRef idx="1">
-            <a:schemeClr val="accent1"/>
-          </a:fillRef>
-          <a:effectRef idx="0">
-            <a:schemeClr val="accent1"/>
-          </a:effectRef>
-          <a:fontRef idx="minor">
-            <a:schemeClr val="lt1"/>
-          </a:fontRef>
-        </p:style>
-        <p:txBody>
-          <a:bodyPr rtlCol="0" anchor="ctr"/>
-          <a:p>
-            <a:pPr algn="ctr"/>
-            <a:endParaRPr lang="zh-CN" altLang="en-US"/>
-          </a:p>
-        </p:txBody>
-      </p:sp>
-      <p:sp>
-        <p:nvSpPr>
-          <p:cNvPr id="5" name="矩形 4"/>
-          <p:cNvSpPr/>
-          <p:nvPr/>
-        </p:nvSpPr>
-        <p:spPr>
-          <a:xfrm>
-            <a:off x="4719955" y="3790950"/>
-            <a:ext cx="2621915" cy="593090"/>
-          </a:xfrm>
-          <a:prstGeom prst="rect">
-            <a:avLst/>
-          </a:prstGeom>
-        </p:spPr>
-        <p:style>
-          <a:lnRef idx="2">
-            <a:schemeClr val="accent1">
-              <a:shade val="50000"/>
-            </a:schemeClr>
-          </a:lnRef>
-          <a:fillRef idx="1">
-            <a:schemeClr val="accent1"/>
-          </a:fillRef>
-          <a:effectRef idx="0">
-            <a:schemeClr val="accent1"/>
-          </a:effectRef>
-          <a:fontRef idx="minor">
-            <a:schemeClr val="lt1"/>
-          </a:fontRef>
-        </p:style>
-        <p:txBody>
-          <a:bodyPr rtlCol="0" anchor="ctr"/>
-          <a:p>
-            <a:pPr algn="ctr"/>
-            <a:endParaRPr lang="zh-CN" altLang="en-US"/>
-          </a:p>
-        </p:txBody>
-      </p:sp>
-      <p:sp>
-        <p:nvSpPr>
-          <p:cNvPr id="6" name="矩形 5"/>
-          <p:cNvSpPr/>
-          <p:nvPr/>
-        </p:nvSpPr>
-        <p:spPr>
-          <a:xfrm>
-            <a:off x="4784725" y="4815205"/>
-            <a:ext cx="2621915" cy="593090"/>
-          </a:xfrm>
-          <a:prstGeom prst="rect">
-            <a:avLst/>
-          </a:prstGeom>
-        </p:spPr>
-        <p:style>
-          <a:lnRef idx="2">
-            <a:schemeClr val="accent1">
-              <a:shade val="50000"/>
-            </a:schemeClr>
-          </a:lnRef>
-          <a:fillRef idx="1">
-            <a:schemeClr val="accent1"/>
-          </a:fillRef>
-          <a:effectRef idx="0">
-            <a:schemeClr val="accent1"/>
-          </a:effectRef>
-          <a:fontRef idx="minor">
-            <a:schemeClr val="lt1"/>
-          </a:fontRef>
-        </p:style>
-        <p:txBody>
-          <a:bodyPr rtlCol="0" anchor="ctr"/>
-          <a:p>
-            <a:pPr algn="ctr"/>
-            <a:endParaRPr lang="zh-CN" altLang="en-US"/>
-          </a:p>
-        </p:txBody>
-      </p:sp>
-      <p:sp>
-        <p:nvSpPr>
-          <p:cNvPr id="7" name="文本框 6"/>
-          <p:cNvSpPr txBox="1"/>
-          <p:nvPr/>
-        </p:nvSpPr>
-        <p:spPr>
-          <a:xfrm>
-            <a:off x="1124585" y="1414780"/>
-            <a:ext cx="2369820" cy="368300"/>
-          </a:xfrm>
-          <a:prstGeom prst="rect">
-            <a:avLst/>
-          </a:prstGeom>
-          <a:noFill/>
-        </p:spPr>
-        <p:txBody>
-          <a:bodyPr wrap="square" rtlCol="0">
-            <a:spAutoFit/>
-          </a:bodyPr>
-          <a:p>
-            <a:r>
-              <a:rPr lang="zh-CN" altLang="en-US"/>
-              <a:t>关卡模式</a:t>
-            </a:r>
-            <a:endParaRPr lang="zh-CN" altLang="en-US"/>
-          </a:p>
-        </p:txBody>
-      </p:sp>
-      <p:sp>
-        <p:nvSpPr>
-          <p:cNvPr id="8" name="文本框 7"/>
-          <p:cNvSpPr txBox="1"/>
-          <p:nvPr/>
-        </p:nvSpPr>
-        <p:spPr>
-          <a:xfrm>
-            <a:off x="1124585" y="2207895"/>
-            <a:ext cx="2369820" cy="368300"/>
-          </a:xfrm>
-          <a:prstGeom prst="rect">
-            <a:avLst/>
-          </a:prstGeom>
-          <a:noFill/>
-        </p:spPr>
-        <p:txBody>
-          <a:bodyPr wrap="square" rtlCol="0">
-            <a:spAutoFit/>
-          </a:bodyPr>
-          <a:p>
-            <a:r>
-              <a:rPr lang="zh-CN" altLang="en-US"/>
-              <a:t>无尽模式</a:t>
-            </a:r>
-            <a:endParaRPr lang="zh-CN" altLang="en-US"/>
-          </a:p>
-        </p:txBody>
-      </p:sp>
-      <p:sp>
-        <p:nvSpPr>
-          <p:cNvPr id="9" name="文本框 8"/>
-          <p:cNvSpPr txBox="1"/>
-          <p:nvPr/>
-        </p:nvSpPr>
-        <p:spPr>
-          <a:xfrm>
-            <a:off x="1251585" y="2806700"/>
-            <a:ext cx="2369820" cy="368300"/>
-          </a:xfrm>
-          <a:prstGeom prst="rect">
-            <a:avLst/>
-          </a:prstGeom>
-          <a:noFill/>
-        </p:spPr>
-        <p:txBody>
-          <a:bodyPr wrap="square" rtlCol="0">
-            <a:spAutoFit/>
-          </a:bodyPr>
-          <a:p>
-            <a:r>
-              <a:rPr lang="zh-CN" altLang="en-US"/>
-              <a:t>排行榜</a:t>
-            </a:r>
-            <a:endParaRPr lang="zh-CN" altLang="en-US"/>
-          </a:p>
-        </p:txBody>
-      </p:sp>
-      <p:sp>
-        <p:nvSpPr>
-          <p:cNvPr id="10" name="文本框 9"/>
-          <p:cNvSpPr txBox="1"/>
-          <p:nvPr/>
-        </p:nvSpPr>
-        <p:spPr>
-          <a:xfrm>
-            <a:off x="1345565" y="3632200"/>
-            <a:ext cx="2369820" cy="368300"/>
-          </a:xfrm>
-          <a:prstGeom prst="rect">
-            <a:avLst/>
-          </a:prstGeom>
-          <a:noFill/>
-        </p:spPr>
-        <p:txBody>
-          <a:bodyPr wrap="square" rtlCol="0">
-            <a:spAutoFit/>
-          </a:bodyPr>
-          <a:p>
-            <a:r>
-              <a:rPr lang="zh-CN" altLang="en-US"/>
-              <a:t>成就</a:t>
-            </a:r>
-            <a:endParaRPr lang="zh-CN" altLang="en-US"/>
-          </a:p>
-        </p:txBody>
-      </p:sp>
-      <p:sp>
-        <p:nvSpPr>
-          <p:cNvPr id="11" name="文本框 10"/>
-          <p:cNvSpPr txBox="1"/>
-          <p:nvPr/>
-        </p:nvSpPr>
-        <p:spPr>
-          <a:xfrm>
-            <a:off x="9550400" y="2328545"/>
-            <a:ext cx="1556385" cy="368300"/>
-          </a:xfrm>
-          <a:prstGeom prst="rect">
-            <a:avLst/>
-          </a:prstGeom>
-          <a:noFill/>
-        </p:spPr>
-        <p:txBody>
-          <a:bodyPr wrap="square" rtlCol="0">
-            <a:spAutoFit/>
-          </a:bodyPr>
-          <a:p>
-            <a:r>
-              <a:rPr lang="zh-CN" altLang="en-US"/>
-              <a:t>主界面</a:t>
-            </a:r>
-            <a:endParaRPr lang="zh-CN" altLang="en-US"/>
-          </a:p>
-        </p:txBody>
-      </p:sp>
-      <p:sp>
-        <p:nvSpPr>
-          <p:cNvPr id="12" name="文本框 11"/>
-          <p:cNvSpPr txBox="1"/>
-          <p:nvPr/>
-        </p:nvSpPr>
-        <p:spPr>
-          <a:xfrm>
-            <a:off x="993775" y="4206240"/>
-            <a:ext cx="2028825" cy="368300"/>
-          </a:xfrm>
-          <a:prstGeom prst="rect">
-            <a:avLst/>
-          </a:prstGeom>
-          <a:noFill/>
-        </p:spPr>
-        <p:txBody>
-          <a:bodyPr wrap="square" rtlCol="0">
-            <a:spAutoFit/>
-          </a:bodyPr>
-          <a:p>
-            <a:r>
-              <a:rPr lang="zh-CN" altLang="en-US"/>
-              <a:t>模型鉴赏</a:t>
-            </a:r>
-            <a:endParaRPr lang="zh-CN" altLang="en-US"/>
-          </a:p>
-        </p:txBody>
-      </p:sp>
-      <p:sp>
-        <p:nvSpPr>
-          <p:cNvPr id="13" name="文本框 12"/>
-          <p:cNvSpPr txBox="1"/>
-          <p:nvPr/>
-        </p:nvSpPr>
-        <p:spPr>
-          <a:xfrm>
-            <a:off x="1084580" y="5009515"/>
-            <a:ext cx="1807210" cy="368300"/>
-          </a:xfrm>
-          <a:prstGeom prst="rect">
-            <a:avLst/>
-          </a:prstGeom>
-          <a:noFill/>
-        </p:spPr>
-        <p:txBody>
-          <a:bodyPr wrap="square" rtlCol="0">
-            <a:spAutoFit/>
-          </a:bodyPr>
-          <a:p>
-            <a:r>
-              <a:rPr lang="zh-CN" altLang="en-US"/>
-              <a:t>相关知识阅读</a:t>
-            </a:r>
-            <a:endParaRPr lang="zh-CN" altLang="en-US"/>
-          </a:p>
-        </p:txBody>
-      </p:sp>
-    </p:spTree>
-  </p:cSld>
-  <p:clrMapOvr>
-    <a:masterClrMapping/>
-  </p:clrMapOvr>
 </p:sld>
 </file>
 
@@ -3912,14 +4073,14 @@
       <p:grpSpPr/>
       <p:sp>
         <p:nvSpPr>
-          <p:cNvPr id="2" name="文本框 1"/>
+          <p:cNvPr id="3" name="文本框 2"/>
           <p:cNvSpPr txBox="1"/>
           <p:nvPr/>
         </p:nvSpPr>
         <p:spPr>
           <a:xfrm>
-            <a:off x="822960" y="942340"/>
-            <a:ext cx="8807450" cy="368300"/>
+            <a:off x="8747125" y="1283970"/>
+            <a:ext cx="2169160" cy="645160"/>
           </a:xfrm>
           <a:prstGeom prst="rect">
             <a:avLst/>
@@ -3933,15 +4094,138 @@
           <a:p>
             <a:r>
               <a:rPr lang="zh-CN" altLang="en-US"/>
-              <a:t>关卡模式最大</a:t>
+              <a:t>无尽模式 参考移动端</a:t>
             </a:r>
             <a:r>
               <a:rPr lang="en-US" altLang="zh-CN"/>
-              <a:t>30*30</a:t>
+              <a:t>GollyAPP</a:t>
             </a:r>
             <a:r>
               <a:rPr lang="zh-CN" altLang="en-US"/>
-              <a:t>，</a:t>
+              <a:t>？</a:t>
+            </a:r>
+            <a:endParaRPr lang="zh-CN" altLang="en-US"/>
+          </a:p>
+        </p:txBody>
+      </p:sp>
+    </p:spTree>
+  </p:cSld>
+  <p:clrMapOvr>
+    <a:masterClrMapping/>
+  </p:clrMapOvr>
+</p:sld>
+</file>
+
+<file path=ppt/slides/slide4.xml><?xml version="1.0" encoding="utf-8"?>
+<p:sld xmlns:a="http://schemas.openxmlformats.org/drawingml/2006/main" xmlns:r="http://schemas.openxmlformats.org/officeDocument/2006/relationships" xmlns:p="http://schemas.openxmlformats.org/presentationml/2006/main">
+  <p:cSld>
+    <p:spTree>
+      <p:nvGrpSpPr>
+        <p:cNvPr id="1" name=""/>
+        <p:cNvGrpSpPr/>
+        <p:nvPr/>
+      </p:nvGrpSpPr>
+      <p:grpSpPr/>
+      <p:sp>
+        <p:nvSpPr>
+          <p:cNvPr id="2" name="文本框 1"/>
+          <p:cNvSpPr txBox="1"/>
+          <p:nvPr/>
+        </p:nvSpPr>
+        <p:spPr>
+          <a:xfrm>
+            <a:off x="9359265" y="1986915"/>
+            <a:ext cx="2320290" cy="368300"/>
+          </a:xfrm>
+          <a:prstGeom prst="rect">
+            <a:avLst/>
+          </a:prstGeom>
+          <a:noFill/>
+        </p:spPr>
+        <p:txBody>
+          <a:bodyPr wrap="square" rtlCol="0">
+            <a:spAutoFit/>
+          </a:bodyPr>
+          <a:p>
+            <a:r>
+              <a:rPr lang="zh-CN" altLang="en-US"/>
+              <a:t>模型鉴赏</a:t>
+            </a:r>
+            <a:endParaRPr lang="zh-CN" altLang="en-US"/>
+          </a:p>
+        </p:txBody>
+      </p:sp>
+    </p:spTree>
+  </p:cSld>
+  <p:clrMapOvr>
+    <a:masterClrMapping/>
+  </p:clrMapOvr>
+</p:sld>
+</file>
+
+<file path=ppt/slides/slide5.xml><?xml version="1.0" encoding="utf-8"?>
+<p:sld xmlns:a="http://schemas.openxmlformats.org/drawingml/2006/main" xmlns:r="http://schemas.openxmlformats.org/officeDocument/2006/relationships" xmlns:p="http://schemas.openxmlformats.org/presentationml/2006/main">
+  <p:cSld>
+    <p:spTree>
+      <p:nvGrpSpPr>
+        <p:cNvPr id="1" name=""/>
+        <p:cNvGrpSpPr/>
+        <p:nvPr/>
+      </p:nvGrpSpPr>
+      <p:grpSpPr/>
+      <p:sp>
+        <p:nvSpPr>
+          <p:cNvPr id="2" name="文本框 1"/>
+          <p:cNvSpPr txBox="1"/>
+          <p:nvPr/>
+        </p:nvSpPr>
+        <p:spPr>
+          <a:xfrm>
+            <a:off x="8877300" y="1475105"/>
+            <a:ext cx="1958340" cy="368300"/>
+          </a:xfrm>
+          <a:prstGeom prst="rect">
+            <a:avLst/>
+          </a:prstGeom>
+          <a:noFill/>
+        </p:spPr>
+        <p:txBody>
+          <a:bodyPr wrap="square" rtlCol="0">
+            <a:spAutoFit/>
+          </a:bodyPr>
+          <a:p>
+            <a:r>
+              <a:rPr lang="zh-CN" altLang="en-US"/>
+              <a:t>相关知识阅读</a:t>
+            </a:r>
+            <a:endParaRPr lang="zh-CN" altLang="en-US"/>
+          </a:p>
+        </p:txBody>
+      </p:sp>
+      <p:sp>
+        <p:nvSpPr>
+          <p:cNvPr id="3" name="文本框 2"/>
+          <p:cNvSpPr txBox="1"/>
+          <p:nvPr/>
+        </p:nvSpPr>
+        <p:spPr>
+          <a:xfrm>
+            <a:off x="923290" y="802005"/>
+            <a:ext cx="2078990" cy="645160"/>
+          </a:xfrm>
+          <a:prstGeom prst="rect">
+            <a:avLst/>
+          </a:prstGeom>
+          <a:noFill/>
+        </p:spPr>
+        <p:txBody>
+          <a:bodyPr wrap="square" rtlCol="0">
+            <a:spAutoFit/>
+          </a:bodyPr>
+          <a:p>
+            <a:r>
+              <a:rPr lang="zh-CN" altLang="en-US"/>
+              <a:t>有关元胞自动机和康威生命游戏</a:t>
             </a:r>
             <a:endParaRPr lang="zh-CN" altLang="en-US"/>
           </a:p>

--- a/方案.pptx
+++ b/方案.pptx
@@ -7,9 +7,10 @@
   <p:sldIdLst>
     <p:sldId id="257" r:id="rId3"/>
     <p:sldId id="256" r:id="rId4"/>
-    <p:sldId id="258" r:id="rId5"/>
-    <p:sldId id="260" r:id="rId6"/>
-    <p:sldId id="259" r:id="rId7"/>
+    <p:sldId id="262" r:id="rId5"/>
+    <p:sldId id="258" r:id="rId6"/>
+    <p:sldId id="260" r:id="rId7"/>
+    <p:sldId id="259" r:id="rId8"/>
   </p:sldIdLst>
   <p:sldSz cx="12192000" cy="6858000"/>
   <p:notesSz cx="6858000" cy="9144000"/>
@@ -3410,7 +3411,7 @@
         </p:nvSpPr>
         <p:spPr>
           <a:xfrm>
-            <a:off x="4114800" y="2860675"/>
+            <a:off x="4119880" y="2940685"/>
             <a:ext cx="2971800" cy="2667000"/>
           </a:xfrm>
           <a:prstGeom prst="rect">
@@ -3471,7 +3472,7 @@
         </p:nvSpPr>
         <p:spPr>
           <a:xfrm>
-            <a:off x="4174490" y="1435735"/>
+            <a:off x="4119880" y="1130935"/>
             <a:ext cx="457200" cy="304800"/>
           </a:xfrm>
           <a:prstGeom prst="rect">
@@ -3530,7 +3531,7 @@
         </p:nvSpPr>
         <p:spPr>
           <a:xfrm>
-            <a:off x="2129155" y="461645"/>
+            <a:off x="917575" y="407035"/>
             <a:ext cx="956945" cy="583565"/>
           </a:xfrm>
           <a:prstGeom prst="rect">
@@ -3560,7 +3561,7 @@
         <p:spPr>
           <a:xfrm>
             <a:off x="2065020" y="1266190"/>
-            <a:ext cx="928370" cy="829945"/>
+            <a:ext cx="928370" cy="1076325"/>
           </a:xfrm>
           <a:prstGeom prst="rect">
             <a:avLst/>
@@ -3574,7 +3575,15 @@
           <a:p>
             <a:r>
               <a:rPr lang="zh-CN" altLang="en-US" sz="1600"/>
-              <a:t>显示周围细胞数</a:t>
+              <a:t>显示周围细胞数（</a:t>
+            </a:r>
+            <a:r>
+              <a:rPr lang="en-US" altLang="zh-CN" sz="1600"/>
+              <a:t>label</a:t>
+            </a:r>
+            <a:r>
+              <a:rPr lang="zh-CN" altLang="en-US" sz="1600"/>
+              <a:t>）</a:t>
             </a:r>
             <a:endParaRPr lang="zh-CN" altLang="en-US" sz="1600"/>
           </a:p>
@@ -3603,7 +3612,7 @@
           <a:p>
             <a:r>
               <a:rPr lang="zh-CN" altLang="en-US"/>
-              <a:t>查看通关细胞分布</a:t>
+              <a:t>查看通关细胞分布（）</a:t>
             </a:r>
             <a:endParaRPr lang="zh-CN" altLang="en-US"/>
           </a:p>
@@ -3660,10 +3669,34 @@
           </a:bodyPr>
           <a:p>
             <a:r>
-              <a:rPr lang="zh-CN" altLang="en-US"/>
+              <a:rPr lang="zh-CN" altLang="en-US">
+                <a:gradFill>
+                  <a:gsLst>
+                    <a:gs pos="0">
+                      <a:srgbClr val="14CD68"/>
+                    </a:gs>
+                    <a:gs pos="100000">
+                      <a:srgbClr val="0B6E38"/>
+                    </a:gs>
+                  </a:gsLst>
+                  <a:lin scaled="0"/>
+                </a:gradFill>
+              </a:rPr>
               <a:t>返回上一步</a:t>
             </a:r>
-            <a:endParaRPr lang="zh-CN" altLang="en-US"/>
+            <a:endParaRPr lang="zh-CN" altLang="en-US">
+              <a:gradFill>
+                <a:gsLst>
+                  <a:gs pos="0">
+                    <a:srgbClr val="14CD68"/>
+                  </a:gs>
+                  <a:gs pos="100000">
+                    <a:srgbClr val="0B6E38"/>
+                  </a:gs>
+                </a:gsLst>
+                <a:lin scaled="0"/>
+              </a:gradFill>
+            </a:endParaRPr>
           </a:p>
         </p:txBody>
       </p:sp>
@@ -3675,7 +3708,7 @@
         </p:nvSpPr>
         <p:spPr>
           <a:xfrm>
-            <a:off x="933450" y="3844290"/>
+            <a:off x="1024255" y="4116070"/>
             <a:ext cx="742950" cy="922020"/>
           </a:xfrm>
           <a:prstGeom prst="rect">
@@ -3689,10 +3722,26 @@
           </a:bodyPr>
           <a:p>
             <a:r>
-              <a:rPr lang="zh-CN" altLang="en-US"/>
+              <a:rPr lang="zh-CN" altLang="en-US">
+                <a:solidFill>
+                  <a:srgbClr val="FF0000"/>
+                </a:solidFill>
+              </a:rPr>
               <a:t>返回主界面</a:t>
             </a:r>
-            <a:endParaRPr lang="zh-CN" altLang="en-US"/>
+            <a:r>
+              <a:rPr lang="en-US" altLang="zh-CN">
+                <a:solidFill>
+                  <a:srgbClr val="FF0000"/>
+                </a:solidFill>
+              </a:rPr>
+              <a:t>√</a:t>
+            </a:r>
+            <a:endParaRPr lang="en-US" altLang="zh-CN">
+              <a:solidFill>
+                <a:srgbClr val="FF0000"/>
+              </a:solidFill>
+            </a:endParaRPr>
           </a:p>
         </p:txBody>
       </p:sp>
@@ -3733,7 +3782,7 @@
         </p:nvSpPr>
         <p:spPr>
           <a:xfrm>
-            <a:off x="842645" y="569595"/>
+            <a:off x="5474970" y="307975"/>
             <a:ext cx="1054735" cy="368300"/>
           </a:xfrm>
           <a:prstGeom prst="rect">
@@ -3788,91 +3837,13 @@
       </p:sp>
       <p:sp>
         <p:nvSpPr>
-          <p:cNvPr id="15" name="十字箭头 14"/>
-          <p:cNvSpPr/>
-          <p:nvPr/>
-        </p:nvSpPr>
-        <p:spPr>
-          <a:xfrm>
-            <a:off x="4170680" y="2924175"/>
-            <a:ext cx="351155" cy="361315"/>
-          </a:xfrm>
-          <a:prstGeom prst="quadArrow">
-            <a:avLst/>
-          </a:prstGeom>
-        </p:spPr>
-        <p:style>
-          <a:lnRef idx="2">
-            <a:schemeClr val="accent1">
-              <a:shade val="50000"/>
-            </a:schemeClr>
-          </a:lnRef>
-          <a:fillRef idx="1">
-            <a:schemeClr val="accent1"/>
-          </a:fillRef>
-          <a:effectRef idx="0">
-            <a:schemeClr val="accent1"/>
-          </a:effectRef>
-          <a:fontRef idx="minor">
-            <a:schemeClr val="lt1"/>
-          </a:fontRef>
-        </p:style>
-        <p:txBody>
-          <a:bodyPr rtlCol="0" anchor="ctr"/>
-          <a:p>
-            <a:pPr algn="ctr"/>
-            <a:endParaRPr lang="zh-CN" altLang="en-US"/>
-          </a:p>
-        </p:txBody>
-      </p:sp>
-      <p:sp>
-        <p:nvSpPr>
-          <p:cNvPr id="16" name="十字形 15"/>
-          <p:cNvSpPr/>
-          <p:nvPr/>
-        </p:nvSpPr>
-        <p:spPr>
-          <a:xfrm>
-            <a:off x="6700520" y="2940685"/>
-            <a:ext cx="311150" cy="311150"/>
-          </a:xfrm>
-          <a:prstGeom prst="plus">
-            <a:avLst/>
-          </a:prstGeom>
-        </p:spPr>
-        <p:style>
-          <a:lnRef idx="2">
-            <a:schemeClr val="accent1">
-              <a:shade val="50000"/>
-            </a:schemeClr>
-          </a:lnRef>
-          <a:fillRef idx="1">
-            <a:schemeClr val="accent1"/>
-          </a:fillRef>
-          <a:effectRef idx="0">
-            <a:schemeClr val="accent1"/>
-          </a:effectRef>
-          <a:fontRef idx="minor">
-            <a:schemeClr val="lt1"/>
-          </a:fontRef>
-        </p:style>
-        <p:txBody>
-          <a:bodyPr rtlCol="0" anchor="ctr"/>
-          <a:p>
-            <a:pPr algn="ctr"/>
-            <a:endParaRPr lang="zh-CN" altLang="en-US"/>
-          </a:p>
-        </p:txBody>
-      </p:sp>
-      <p:sp>
-        <p:nvSpPr>
           <p:cNvPr id="17" name="文本框 16"/>
           <p:cNvSpPr txBox="1"/>
           <p:nvPr/>
         </p:nvSpPr>
         <p:spPr>
           <a:xfrm>
-            <a:off x="4109085" y="2096135"/>
+            <a:off x="4119880" y="2275840"/>
             <a:ext cx="2982595" cy="368300"/>
           </a:xfrm>
           <a:prstGeom prst="rect">
@@ -3942,7 +3913,7 @@
         </p:nvSpPr>
         <p:spPr>
           <a:xfrm>
-            <a:off x="4743450" y="1435735"/>
+            <a:off x="4225925" y="1791335"/>
             <a:ext cx="457200" cy="304800"/>
           </a:xfrm>
           <a:prstGeom prst="rect">
@@ -4001,7 +3972,7 @@
         </p:nvSpPr>
         <p:spPr>
           <a:xfrm>
-            <a:off x="5636895" y="1353820"/>
+            <a:off x="6645275" y="1130935"/>
             <a:ext cx="457200" cy="304800"/>
           </a:xfrm>
           <a:prstGeom prst="rect">
@@ -4049,6 +4020,64 @@
               <a:latin typeface="Times" pitchFamily="2" charset="0"/>
               <a:sym typeface="Times" pitchFamily="2" charset="0"/>
             </a:endParaRPr>
+          </a:p>
+        </p:txBody>
+      </p:sp>
+      <p:sp>
+        <p:nvSpPr>
+          <p:cNvPr id="20" name="文本框 19"/>
+          <p:cNvSpPr txBox="1"/>
+          <p:nvPr/>
+        </p:nvSpPr>
+        <p:spPr>
+          <a:xfrm>
+            <a:off x="8676005" y="514350"/>
+            <a:ext cx="2089785" cy="368300"/>
+          </a:xfrm>
+          <a:prstGeom prst="rect">
+            <a:avLst/>
+          </a:prstGeom>
+          <a:noFill/>
+        </p:spPr>
+        <p:txBody>
+          <a:bodyPr wrap="square" rtlCol="0">
+            <a:spAutoFit/>
+          </a:bodyPr>
+          <a:p>
+            <a:r>
+              <a:rPr lang="en-US" altLang="zh-CN"/>
+              <a:t>resArr</a:t>
+            </a:r>
+            <a:endParaRPr lang="en-US" altLang="zh-CN"/>
+          </a:p>
+        </p:txBody>
+      </p:sp>
+      <p:sp>
+        <p:nvSpPr>
+          <p:cNvPr id="21" name="文本框 20"/>
+          <p:cNvSpPr txBox="1"/>
+          <p:nvPr/>
+        </p:nvSpPr>
+        <p:spPr>
+          <a:xfrm>
+            <a:off x="8661400" y="984250"/>
+            <a:ext cx="1044575" cy="368300"/>
+          </a:xfrm>
+          <a:prstGeom prst="rect">
+            <a:avLst/>
+          </a:prstGeom>
+          <a:noFill/>
+        </p:spPr>
+        <p:txBody>
+          <a:bodyPr wrap="square" rtlCol="0">
+            <a:spAutoFit/>
+          </a:bodyPr>
+          <a:p>
+            <a:r>
+              <a:rPr lang="en-US" altLang="zh-CN"/>
+              <a:t>startArr</a:t>
+            </a:r>
+            <a:endParaRPr lang="en-US" altLang="zh-CN"/>
           </a:p>
         </p:txBody>
       </p:sp>
@@ -4071,43 +4100,6 @@
         <p:nvPr/>
       </p:nvGrpSpPr>
       <p:grpSpPr/>
-      <p:sp>
-        <p:nvSpPr>
-          <p:cNvPr id="3" name="文本框 2"/>
-          <p:cNvSpPr txBox="1"/>
-          <p:nvPr/>
-        </p:nvSpPr>
-        <p:spPr>
-          <a:xfrm>
-            <a:off x="8747125" y="1283970"/>
-            <a:ext cx="2169160" cy="645160"/>
-          </a:xfrm>
-          <a:prstGeom prst="rect">
-            <a:avLst/>
-          </a:prstGeom>
-          <a:noFill/>
-        </p:spPr>
-        <p:txBody>
-          <a:bodyPr wrap="square" rtlCol="0">
-            <a:spAutoFit/>
-          </a:bodyPr>
-          <a:p>
-            <a:r>
-              <a:rPr lang="zh-CN" altLang="en-US"/>
-              <a:t>无尽模式 参考移动端</a:t>
-            </a:r>
-            <a:r>
-              <a:rPr lang="en-US" altLang="zh-CN"/>
-              <a:t>GollyAPP</a:t>
-            </a:r>
-            <a:r>
-              <a:rPr lang="zh-CN" altLang="en-US"/>
-              <a:t>？</a:t>
-            </a:r>
-            <a:endParaRPr lang="zh-CN" altLang="en-US"/>
-          </a:p>
-        </p:txBody>
-      </p:sp>
     </p:spTree>
   </p:cSld>
   <p:clrMapOvr>
@@ -4128,14 +4120,14 @@
       <p:grpSpPr/>
       <p:sp>
         <p:nvSpPr>
-          <p:cNvPr id="2" name="文本框 1"/>
+          <p:cNvPr id="3" name="文本框 2"/>
           <p:cNvSpPr txBox="1"/>
           <p:nvPr/>
         </p:nvSpPr>
         <p:spPr>
           <a:xfrm>
-            <a:off x="9359265" y="1986915"/>
-            <a:ext cx="2320290" cy="368300"/>
+            <a:off x="8747125" y="1283970"/>
+            <a:ext cx="2169160" cy="645160"/>
           </a:xfrm>
           <a:prstGeom prst="rect">
             <a:avLst/>
@@ -4149,7 +4141,15 @@
           <a:p>
             <a:r>
               <a:rPr lang="zh-CN" altLang="en-US"/>
-              <a:t>模型鉴赏</a:t>
+              <a:t>无尽模式 参考移动端</a:t>
+            </a:r>
+            <a:r>
+              <a:rPr lang="en-US" altLang="zh-CN"/>
+              <a:t>GollyAPP</a:t>
+            </a:r>
+            <a:r>
+              <a:rPr lang="zh-CN" altLang="en-US"/>
+              <a:t>？</a:t>
             </a:r>
             <a:endParaRPr lang="zh-CN" altLang="en-US"/>
           </a:p>
@@ -4164,6 +4164,53 @@
 </file>
 
 <file path=ppt/slides/slide5.xml><?xml version="1.0" encoding="utf-8"?>
+<p:sld xmlns:a="http://schemas.openxmlformats.org/drawingml/2006/main" xmlns:r="http://schemas.openxmlformats.org/officeDocument/2006/relationships" xmlns:p="http://schemas.openxmlformats.org/presentationml/2006/main">
+  <p:cSld>
+    <p:spTree>
+      <p:nvGrpSpPr>
+        <p:cNvPr id="1" name=""/>
+        <p:cNvGrpSpPr/>
+        <p:nvPr/>
+      </p:nvGrpSpPr>
+      <p:grpSpPr/>
+      <p:sp>
+        <p:nvSpPr>
+          <p:cNvPr id="2" name="文本框 1"/>
+          <p:cNvSpPr txBox="1"/>
+          <p:nvPr/>
+        </p:nvSpPr>
+        <p:spPr>
+          <a:xfrm>
+            <a:off x="9359265" y="1986915"/>
+            <a:ext cx="2320290" cy="368300"/>
+          </a:xfrm>
+          <a:prstGeom prst="rect">
+            <a:avLst/>
+          </a:prstGeom>
+          <a:noFill/>
+        </p:spPr>
+        <p:txBody>
+          <a:bodyPr wrap="square" rtlCol="0">
+            <a:spAutoFit/>
+          </a:bodyPr>
+          <a:p>
+            <a:r>
+              <a:rPr lang="zh-CN" altLang="en-US"/>
+              <a:t>模型鉴赏</a:t>
+            </a:r>
+            <a:endParaRPr lang="zh-CN" altLang="en-US"/>
+          </a:p>
+        </p:txBody>
+      </p:sp>
+    </p:spTree>
+  </p:cSld>
+  <p:clrMapOvr>
+    <a:masterClrMapping/>
+  </p:clrMapOvr>
+</p:sld>
+</file>
+
+<file path=ppt/slides/slide6.xml><?xml version="1.0" encoding="utf-8"?>
 <p:sld xmlns:a="http://schemas.openxmlformats.org/drawingml/2006/main" xmlns:r="http://schemas.openxmlformats.org/officeDocument/2006/relationships" xmlns:p="http://schemas.openxmlformats.org/presentationml/2006/main">
   <p:cSld>
     <p:spTree>

--- a/方案.pptx
+++ b/方案.pptx
@@ -3891,11 +3891,11 @@
             </a:r>
             <a:r>
               <a:rPr lang="en-US" altLang="zh-CN"/>
-              <a:t>2</a:t>
+              <a:t>15</a:t>
             </a:r>
             <a:r>
               <a:rPr lang="en-US" altLang="zh-CN"/>
-              <a:t>0*20</a:t>
+              <a:t>*15</a:t>
             </a:r>
             <a:r>
               <a:rPr lang="zh-CN" altLang="en-US"/>

--- a/方案.pptx
+++ b/方案.pptx
@@ -4155,6 +4155,35 @@
           </a:p>
         </p:txBody>
       </p:sp>
+      <p:sp>
+        <p:nvSpPr>
+          <p:cNvPr id="2" name="文本框 1"/>
+          <p:cNvSpPr txBox="1"/>
+          <p:nvPr/>
+        </p:nvSpPr>
+        <p:spPr>
+          <a:xfrm>
+            <a:off x="803275" y="1465580"/>
+            <a:ext cx="3889375" cy="368300"/>
+          </a:xfrm>
+          <a:prstGeom prst="rect">
+            <a:avLst/>
+          </a:prstGeom>
+          <a:noFill/>
+        </p:spPr>
+        <p:txBody>
+          <a:bodyPr wrap="square" rtlCol="0">
+            <a:spAutoFit/>
+          </a:bodyPr>
+          <a:p>
+            <a:r>
+              <a:rPr lang="zh-CN" altLang="en-US"/>
+              <a:t>最好可以放大缩小</a:t>
+            </a:r>
+            <a:endParaRPr lang="zh-CN" altLang="en-US"/>
+          </a:p>
+        </p:txBody>
+      </p:sp>
     </p:spTree>
   </p:cSld>
   <p:clrMapOvr>
@@ -4197,6 +4226,432 @@
             <a:r>
               <a:rPr lang="zh-CN" altLang="en-US"/>
               <a:t>模型鉴赏</a:t>
+            </a:r>
+            <a:endParaRPr lang="zh-CN" altLang="en-US"/>
+          </a:p>
+        </p:txBody>
+      </p:sp>
+      <p:sp>
+        <p:nvSpPr>
+          <p:cNvPr id="3" name="矩形 2"/>
+          <p:cNvSpPr/>
+          <p:nvPr/>
+        </p:nvSpPr>
+        <p:spPr>
+          <a:xfrm>
+            <a:off x="2915920" y="600075"/>
+            <a:ext cx="4735830" cy="5127625"/>
+          </a:xfrm>
+          <a:prstGeom prst="rect">
+            <a:avLst/>
+          </a:prstGeom>
+          <a:solidFill>
+            <a:schemeClr val="bg1">
+              <a:lumMod val="75000"/>
+            </a:schemeClr>
+          </a:solidFill>
+        </p:spPr>
+        <p:style>
+          <a:lnRef idx="2">
+            <a:schemeClr val="accent6"/>
+          </a:lnRef>
+          <a:fillRef idx="1">
+            <a:schemeClr val="lt1"/>
+          </a:fillRef>
+          <a:effectRef idx="0">
+            <a:schemeClr val="accent6"/>
+          </a:effectRef>
+          <a:fontRef idx="minor">
+            <a:schemeClr val="dk1"/>
+          </a:fontRef>
+        </p:style>
+        <p:txBody>
+          <a:bodyPr rtlCol="0" anchor="ctr"/>
+          <a:p>
+            <a:pPr algn="ctr"/>
+            <a:endParaRPr lang="zh-CN" altLang="en-US"/>
+          </a:p>
+        </p:txBody>
+      </p:sp>
+      <p:sp>
+        <p:nvSpPr>
+          <p:cNvPr id="4" name="文本框 3"/>
+          <p:cNvSpPr txBox="1"/>
+          <p:nvPr/>
+        </p:nvSpPr>
+        <p:spPr>
+          <a:xfrm>
+            <a:off x="676275" y="909955"/>
+            <a:ext cx="1074420" cy="645160"/>
+          </a:xfrm>
+          <a:prstGeom prst="rect">
+            <a:avLst/>
+          </a:prstGeom>
+          <a:noFill/>
+        </p:spPr>
+        <p:txBody>
+          <a:bodyPr wrap="square" rtlCol="0">
+            <a:spAutoFit/>
+          </a:bodyPr>
+          <a:p>
+            <a:r>
+              <a:rPr lang="zh-CN" altLang="en-US"/>
+              <a:t>模型列表</a:t>
+            </a:r>
+            <a:endParaRPr lang="zh-CN" altLang="en-US"/>
+          </a:p>
+        </p:txBody>
+      </p:sp>
+      <p:sp>
+        <p:nvSpPr>
+          <p:cNvPr id="5" name="文本框 4"/>
+          <p:cNvSpPr txBox="1"/>
+          <p:nvPr/>
+        </p:nvSpPr>
+        <p:spPr>
+          <a:xfrm>
+            <a:off x="676275" y="2355215"/>
+            <a:ext cx="865505" cy="645160"/>
+          </a:xfrm>
+          <a:prstGeom prst="rect">
+            <a:avLst/>
+          </a:prstGeom>
+          <a:noFill/>
+        </p:spPr>
+        <p:txBody>
+          <a:bodyPr wrap="square" rtlCol="0">
+            <a:spAutoFit/>
+          </a:bodyPr>
+          <a:p>
+            <a:r>
+              <a:rPr lang="zh-CN" altLang="en-US"/>
+              <a:t>繁衍速度</a:t>
+            </a:r>
+            <a:endParaRPr lang="zh-CN" altLang="en-US"/>
+          </a:p>
+        </p:txBody>
+      </p:sp>
+      <p:sp>
+        <p:nvSpPr>
+          <p:cNvPr id="6" name="文本框 5"/>
+          <p:cNvSpPr txBox="1"/>
+          <p:nvPr/>
+        </p:nvSpPr>
+        <p:spPr>
+          <a:xfrm>
+            <a:off x="589915" y="3359785"/>
+            <a:ext cx="1247775" cy="368300"/>
+          </a:xfrm>
+          <a:prstGeom prst="rect">
+            <a:avLst/>
+          </a:prstGeom>
+          <a:noFill/>
+        </p:spPr>
+        <p:txBody>
+          <a:bodyPr wrap="square" rtlCol="0">
+            <a:spAutoFit/>
+          </a:bodyPr>
+          <a:p>
+            <a:r>
+              <a:rPr lang="zh-CN" altLang="en-US"/>
+              <a:t>下一代</a:t>
+            </a:r>
+            <a:endParaRPr lang="zh-CN" altLang="en-US"/>
+          </a:p>
+        </p:txBody>
+      </p:sp>
+      <p:sp>
+        <p:nvSpPr>
+          <p:cNvPr id="7" name="文本框 6"/>
+          <p:cNvSpPr txBox="1"/>
+          <p:nvPr/>
+        </p:nvSpPr>
+        <p:spPr>
+          <a:xfrm>
+            <a:off x="1058545" y="4052570"/>
+            <a:ext cx="1065530" cy="368300"/>
+          </a:xfrm>
+          <a:prstGeom prst="rect">
+            <a:avLst/>
+          </a:prstGeom>
+          <a:noFill/>
+        </p:spPr>
+        <p:txBody>
+          <a:bodyPr wrap="square" rtlCol="0">
+            <a:spAutoFit/>
+          </a:bodyPr>
+          <a:p>
+            <a:r>
+              <a:rPr lang="zh-CN" altLang="en-US"/>
+              <a:t>上一代</a:t>
+            </a:r>
+            <a:endParaRPr lang="zh-CN" altLang="en-US"/>
+          </a:p>
+        </p:txBody>
+      </p:sp>
+      <p:sp>
+        <p:nvSpPr>
+          <p:cNvPr id="8" name="文本框 7"/>
+          <p:cNvSpPr txBox="1"/>
+          <p:nvPr/>
+        </p:nvSpPr>
+        <p:spPr>
+          <a:xfrm>
+            <a:off x="967740" y="4871720"/>
+            <a:ext cx="1557020" cy="368300"/>
+          </a:xfrm>
+          <a:prstGeom prst="rect">
+            <a:avLst/>
+          </a:prstGeom>
+          <a:noFill/>
+        </p:spPr>
+        <p:txBody>
+          <a:bodyPr wrap="square" rtlCol="0">
+            <a:spAutoFit/>
+          </a:bodyPr>
+          <a:p>
+            <a:r>
+              <a:rPr lang="zh-CN" altLang="en-US"/>
+              <a:t>开始执行</a:t>
+            </a:r>
+            <a:endParaRPr lang="zh-CN" altLang="en-US"/>
+          </a:p>
+        </p:txBody>
+      </p:sp>
+      <p:sp>
+        <p:nvSpPr>
+          <p:cNvPr id="9" name="文本框 8"/>
+          <p:cNvSpPr txBox="1"/>
+          <p:nvPr/>
+        </p:nvSpPr>
+        <p:spPr>
+          <a:xfrm>
+            <a:off x="1158875" y="5318125"/>
+            <a:ext cx="1411605" cy="368300"/>
+          </a:xfrm>
+          <a:prstGeom prst="rect">
+            <a:avLst/>
+          </a:prstGeom>
+          <a:noFill/>
+        </p:spPr>
+        <p:txBody>
+          <a:bodyPr wrap="square" rtlCol="0">
+            <a:spAutoFit/>
+          </a:bodyPr>
+          <a:p>
+            <a:r>
+              <a:rPr lang="zh-CN" altLang="en-US"/>
+              <a:t>暂停执行</a:t>
+            </a:r>
+            <a:endParaRPr lang="zh-CN" altLang="en-US"/>
+          </a:p>
+        </p:txBody>
+      </p:sp>
+      <p:sp>
+        <p:nvSpPr>
+          <p:cNvPr id="10" name="矩形 9"/>
+          <p:cNvSpPr/>
+          <p:nvPr/>
+        </p:nvSpPr>
+        <p:spPr>
+          <a:xfrm>
+            <a:off x="3175635" y="2176780"/>
+            <a:ext cx="4216400" cy="3260090"/>
+          </a:xfrm>
+          <a:prstGeom prst="rect">
+            <a:avLst/>
+          </a:prstGeom>
+        </p:spPr>
+        <p:style>
+          <a:lnRef idx="2">
+            <a:schemeClr val="accent1">
+              <a:shade val="50000"/>
+            </a:schemeClr>
+          </a:lnRef>
+          <a:fillRef idx="1">
+            <a:schemeClr val="accent1"/>
+          </a:fillRef>
+          <a:effectRef idx="0">
+            <a:schemeClr val="accent1"/>
+          </a:effectRef>
+          <a:fontRef idx="minor">
+            <a:schemeClr val="lt1"/>
+          </a:fontRef>
+        </p:style>
+        <p:txBody>
+          <a:bodyPr rtlCol="0" anchor="ctr"/>
+          <a:p>
+            <a:pPr algn="ctr"/>
+            <a:endParaRPr lang="zh-CN" altLang="en-US"/>
+          </a:p>
+        </p:txBody>
+      </p:sp>
+      <p:sp>
+        <p:nvSpPr>
+          <p:cNvPr id="12" name="加号 11"/>
+          <p:cNvSpPr/>
+          <p:nvPr/>
+        </p:nvSpPr>
+        <p:spPr>
+          <a:xfrm>
+            <a:off x="6723380" y="2385695"/>
+            <a:ext cx="455295" cy="346075"/>
+          </a:xfrm>
+          <a:prstGeom prst="mathPlus">
+            <a:avLst/>
+          </a:prstGeom>
+          <a:solidFill>
+            <a:srgbClr val="FF0000"/>
+          </a:solidFill>
+        </p:spPr>
+        <p:style>
+          <a:lnRef idx="2">
+            <a:schemeClr val="accent1">
+              <a:shade val="50000"/>
+            </a:schemeClr>
+          </a:lnRef>
+          <a:fillRef idx="1">
+            <a:schemeClr val="accent1"/>
+          </a:fillRef>
+          <a:effectRef idx="0">
+            <a:schemeClr val="accent1"/>
+          </a:effectRef>
+          <a:fontRef idx="minor">
+            <a:schemeClr val="lt1"/>
+          </a:fontRef>
+        </p:style>
+        <p:txBody>
+          <a:bodyPr rtlCol="0" anchor="ctr"/>
+          <a:p>
+            <a:pPr algn="ctr"/>
+            <a:endParaRPr lang="zh-CN" altLang="en-US"/>
+          </a:p>
+        </p:txBody>
+      </p:sp>
+      <p:sp>
+        <p:nvSpPr>
+          <p:cNvPr id="13" name="文本框 12"/>
+          <p:cNvSpPr txBox="1"/>
+          <p:nvPr/>
+        </p:nvSpPr>
+        <p:spPr>
+          <a:xfrm>
+            <a:off x="6650990" y="1893570"/>
+            <a:ext cx="1129030" cy="368300"/>
+          </a:xfrm>
+          <a:prstGeom prst="rect">
+            <a:avLst/>
+          </a:prstGeom>
+          <a:noFill/>
+        </p:spPr>
+        <p:txBody>
+          <a:bodyPr wrap="square" rtlCol="0">
+            <a:spAutoFit/>
+          </a:bodyPr>
+          <a:p>
+            <a:r>
+              <a:rPr lang="zh-CN" altLang="en-US"/>
+              <a:t>放大</a:t>
+            </a:r>
+            <a:endParaRPr lang="zh-CN" altLang="en-US"/>
+          </a:p>
+        </p:txBody>
+      </p:sp>
+      <p:sp>
+        <p:nvSpPr>
+          <p:cNvPr id="15" name="减号 14"/>
+          <p:cNvSpPr/>
+          <p:nvPr/>
+        </p:nvSpPr>
+        <p:spPr>
+          <a:xfrm>
+            <a:off x="6650355" y="3036570"/>
+            <a:ext cx="600710" cy="254635"/>
+          </a:xfrm>
+          <a:prstGeom prst="mathMinus">
+            <a:avLst/>
+          </a:prstGeom>
+          <a:solidFill>
+            <a:srgbClr val="FF0000"/>
+          </a:solidFill>
+        </p:spPr>
+        <p:style>
+          <a:lnRef idx="2">
+            <a:schemeClr val="accent1">
+              <a:shade val="50000"/>
+            </a:schemeClr>
+          </a:lnRef>
+          <a:fillRef idx="1">
+            <a:schemeClr val="accent1"/>
+          </a:fillRef>
+          <a:effectRef idx="0">
+            <a:schemeClr val="accent1"/>
+          </a:effectRef>
+          <a:fontRef idx="minor">
+            <a:schemeClr val="lt1"/>
+          </a:fontRef>
+        </p:style>
+        <p:txBody>
+          <a:bodyPr rtlCol="0" anchor="ctr"/>
+          <a:p>
+            <a:pPr algn="ctr"/>
+            <a:endParaRPr lang="zh-CN" altLang="en-US"/>
+          </a:p>
+        </p:txBody>
+      </p:sp>
+      <p:sp>
+        <p:nvSpPr>
+          <p:cNvPr id="16" name="文本框 15"/>
+          <p:cNvSpPr txBox="1"/>
+          <p:nvPr/>
+        </p:nvSpPr>
+        <p:spPr>
+          <a:xfrm>
+            <a:off x="6650355" y="3465195"/>
+            <a:ext cx="1129030" cy="368300"/>
+          </a:xfrm>
+          <a:prstGeom prst="rect">
+            <a:avLst/>
+          </a:prstGeom>
+          <a:noFill/>
+        </p:spPr>
+        <p:txBody>
+          <a:bodyPr wrap="square" rtlCol="0">
+            <a:spAutoFit/>
+          </a:bodyPr>
+          <a:p>
+            <a:r>
+              <a:rPr lang="zh-CN" altLang="en-US"/>
+              <a:t>缩小</a:t>
+            </a:r>
+            <a:endParaRPr lang="zh-CN" altLang="en-US"/>
+          </a:p>
+        </p:txBody>
+      </p:sp>
+      <p:sp>
+        <p:nvSpPr>
+          <p:cNvPr id="17" name="文本框 16"/>
+          <p:cNvSpPr txBox="1"/>
+          <p:nvPr/>
+        </p:nvSpPr>
+        <p:spPr>
+          <a:xfrm>
+            <a:off x="3508375" y="2348865"/>
+            <a:ext cx="865505" cy="368300"/>
+          </a:xfrm>
+          <a:prstGeom prst="rect">
+            <a:avLst/>
+          </a:prstGeom>
+          <a:noFill/>
+        </p:spPr>
+        <p:txBody>
+          <a:bodyPr wrap="square" rtlCol="0">
+            <a:spAutoFit/>
+          </a:bodyPr>
+          <a:p>
+            <a:r>
+              <a:rPr lang="zh-CN" altLang="en-US"/>
+              <a:t>移动</a:t>
             </a:r>
             <a:endParaRPr lang="zh-CN" altLang="en-US"/>
           </a:p>
